--- a/dataset/other/PPT Pelatihan Visualisasi Data.pptx
+++ b/dataset/other/PPT Pelatihan Visualisasi Data.pptx
@@ -285,7 +285,7 @@
           <a:p>
             <a:fld id="{BE92F6E7-F729-4374-97AF-6621FCBEC648}" type="datetimeFigureOut">
               <a:rPr lang="en-ID" smtClean="0"/>
-              <a:t>21/09/2024</a:t>
+              <a:t>24/10/2025</a:t>
             </a:fld>
             <a:endParaRPr lang="en-ID"/>
           </a:p>
@@ -485,7 +485,7 @@
           <a:p>
             <a:fld id="{BE92F6E7-F729-4374-97AF-6621FCBEC648}" type="datetimeFigureOut">
               <a:rPr lang="en-ID" smtClean="0"/>
-              <a:t>21/09/2024</a:t>
+              <a:t>24/10/2025</a:t>
             </a:fld>
             <a:endParaRPr lang="en-ID"/>
           </a:p>
@@ -695,7 +695,7 @@
           <a:p>
             <a:fld id="{BE92F6E7-F729-4374-97AF-6621FCBEC648}" type="datetimeFigureOut">
               <a:rPr lang="en-ID" smtClean="0"/>
-              <a:t>21/09/2024</a:t>
+              <a:t>24/10/2025</a:t>
             </a:fld>
             <a:endParaRPr lang="en-ID"/>
           </a:p>
@@ -895,7 +895,7 @@
           <a:p>
             <a:fld id="{BE92F6E7-F729-4374-97AF-6621FCBEC648}" type="datetimeFigureOut">
               <a:rPr lang="en-ID" smtClean="0"/>
-              <a:t>21/09/2024</a:t>
+              <a:t>24/10/2025</a:t>
             </a:fld>
             <a:endParaRPr lang="en-ID"/>
           </a:p>
@@ -1171,7 +1171,7 @@
           <a:p>
             <a:fld id="{BE92F6E7-F729-4374-97AF-6621FCBEC648}" type="datetimeFigureOut">
               <a:rPr lang="en-ID" smtClean="0"/>
-              <a:t>21/09/2024</a:t>
+              <a:t>24/10/2025</a:t>
             </a:fld>
             <a:endParaRPr lang="en-ID"/>
           </a:p>
@@ -1439,7 +1439,7 @@
           <a:p>
             <a:fld id="{BE92F6E7-F729-4374-97AF-6621FCBEC648}" type="datetimeFigureOut">
               <a:rPr lang="en-ID" smtClean="0"/>
-              <a:t>21/09/2024</a:t>
+              <a:t>24/10/2025</a:t>
             </a:fld>
             <a:endParaRPr lang="en-ID"/>
           </a:p>
@@ -1854,7 +1854,7 @@
           <a:p>
             <a:fld id="{BE92F6E7-F729-4374-97AF-6621FCBEC648}" type="datetimeFigureOut">
               <a:rPr lang="en-ID" smtClean="0"/>
-              <a:t>21/09/2024</a:t>
+              <a:t>24/10/2025</a:t>
             </a:fld>
             <a:endParaRPr lang="en-ID"/>
           </a:p>
@@ -1996,7 +1996,7 @@
           <a:p>
             <a:fld id="{BE92F6E7-F729-4374-97AF-6621FCBEC648}" type="datetimeFigureOut">
               <a:rPr lang="en-ID" smtClean="0"/>
-              <a:t>21/09/2024</a:t>
+              <a:t>24/10/2025</a:t>
             </a:fld>
             <a:endParaRPr lang="en-ID"/>
           </a:p>
@@ -2109,7 +2109,7 @@
           <a:p>
             <a:fld id="{BE92F6E7-F729-4374-97AF-6621FCBEC648}" type="datetimeFigureOut">
               <a:rPr lang="en-ID" smtClean="0"/>
-              <a:t>21/09/2024</a:t>
+              <a:t>24/10/2025</a:t>
             </a:fld>
             <a:endParaRPr lang="en-ID"/>
           </a:p>
@@ -2422,7 +2422,7 @@
           <a:p>
             <a:fld id="{BE92F6E7-F729-4374-97AF-6621FCBEC648}" type="datetimeFigureOut">
               <a:rPr lang="en-ID" smtClean="0"/>
-              <a:t>21/09/2024</a:t>
+              <a:t>24/10/2025</a:t>
             </a:fld>
             <a:endParaRPr lang="en-ID"/>
           </a:p>
@@ -2711,7 +2711,7 @@
           <a:p>
             <a:fld id="{BE92F6E7-F729-4374-97AF-6621FCBEC648}" type="datetimeFigureOut">
               <a:rPr lang="en-ID" smtClean="0"/>
-              <a:t>21/09/2024</a:t>
+              <a:t>24/10/2025</a:t>
             </a:fld>
             <a:endParaRPr lang="en-ID"/>
           </a:p>
@@ -2954,7 +2954,7 @@
           <a:p>
             <a:fld id="{BE92F6E7-F729-4374-97AF-6621FCBEC648}" type="datetimeFigureOut">
               <a:rPr lang="en-ID" smtClean="0"/>
-              <a:t>21/09/2024</a:t>
+              <a:t>24/10/2025</a:t>
             </a:fld>
             <a:endParaRPr lang="en-ID"/>
           </a:p>
